--- a/презентация BunBricky.pptx
+++ b/презентация BunBricky.pptx
@@ -21,17 +21,17 @@
   <p:notesSz cx="6858000" cy="9144000"/>
   <p:embeddedFontLst>
     <p:embeddedFont>
-      <p:font typeface="Syne" panose="020B0604020202020204" charset="0"/>
+      <p:font typeface="Lucida Console" panose="020B0609040504020204" pitchFamily="49" charset="0"/>
       <p:regular r:id="rId11"/>
-      <p:bold r:id="rId12"/>
     </p:embeddedFont>
     <p:embeddedFont>
       <p:font typeface="Bebas Neue" panose="020B0604020202020204" charset="0"/>
-      <p:regular r:id="rId13"/>
+      <p:regular r:id="rId12"/>
     </p:embeddedFont>
     <p:embeddedFont>
-      <p:font typeface="Lucida Console" panose="020B0609040504020204" pitchFamily="49" charset="0"/>
-      <p:regular r:id="rId14"/>
+      <p:font typeface="Syne" panose="020B0604020202020204" charset="0"/>
+      <p:regular r:id="rId13"/>
+      <p:bold r:id="rId14"/>
     </p:embeddedFont>
   </p:embeddedFontLst>
   <p:defaultTextStyle>
@@ -263,6 +263,11 @@
       </a:defRPr>
     </a:lvl9pPr>
   </p:defaultTextStyle>
+  <p:extLst>
+    <p:ext uri="{EFAFB233-063F-42B5-8137-9DF3F51BA10A}">
+      <p15:sldGuideLst xmlns:p15="http://schemas.microsoft.com/office/powerpoint/2012/main"/>
+    </p:ext>
+  </p:extLst>
 </p:presentation>
 </file>
 
@@ -22567,19 +22572,27 @@
               <a:buNone/>
             </a:pPr>
             <a:r>
-              <a:rPr lang="ru-RU" dirty="0" smtClean="0"/>
+              <a:rPr lang="ru-RU" dirty="0" smtClean="0">
+                <a:latin typeface="Lucida Console" panose="020B0609040504020204" pitchFamily="49" charset="0"/>
+              </a:rPr>
               <a:t>В </a:t>
             </a:r>
             <a:r>
-              <a:rPr lang="ru-RU" dirty="0"/>
+              <a:rPr lang="ru-RU" dirty="0">
+                <a:latin typeface="Lucida Console" panose="020B0609040504020204" pitchFamily="49" charset="0"/>
+              </a:rPr>
               <a:t>проекте «</a:t>
             </a:r>
             <a:r>
-              <a:rPr lang="en-US" dirty="0" err="1"/>
+              <a:rPr lang="en-US" dirty="0" err="1">
+                <a:latin typeface="Lucida Console" panose="020B0609040504020204" pitchFamily="49" charset="0"/>
+              </a:rPr>
               <a:t>BunBricky</a:t>
             </a:r>
             <a:r>
-              <a:rPr lang="ru-RU" dirty="0"/>
+              <a:rPr lang="ru-RU" dirty="0">
+                <a:latin typeface="Lucida Console" panose="020B0609040504020204" pitchFamily="49" charset="0"/>
+              </a:rPr>
               <a:t>» реализованы все задуманные функции, работает без вылетов и ошибок, хорошая конструкция кода (+-).</a:t>
             </a:r>
           </a:p>
